--- a/Umami_YYDS/Paper_Fig/感官部分/科学配图展示.pptx
+++ b/Umami_YYDS/Paper_Fig/感官部分/科学配图展示.pptx
@@ -6,7 +6,8 @@
   </p:sldMasterIdLst>
   <p:sldIdLst>
     <p:sldId id="260" r:id="rId2"/>
-    <p:sldId id="261" r:id="rId3"/>
+    <p:sldId id="262" r:id="rId3"/>
+    <p:sldId id="261" r:id="rId4"/>
   </p:sldIdLst>
   <p:sldSz cx="12801600" cy="9601200" type="A3"/>
   <p:notesSz cx="6858000" cy="9144000"/>
@@ -255,7 +256,7 @@
           <a:p>
             <a:fld id="{AD520B97-9086-4087-8872-4765B7BE18FD}" type="datetimeFigureOut">
               <a:rPr lang="zh-CN" altLang="en-US" smtClean="0"/>
-              <a:t>2021/12/20</a:t>
+              <a:t>2022/1/29</a:t>
             </a:fld>
             <a:endParaRPr lang="zh-CN" altLang="en-US"/>
           </a:p>
@@ -425,7 +426,7 @@
           <a:p>
             <a:fld id="{AD520B97-9086-4087-8872-4765B7BE18FD}" type="datetimeFigureOut">
               <a:rPr lang="zh-CN" altLang="en-US" smtClean="0"/>
-              <a:t>2021/12/20</a:t>
+              <a:t>2022/1/29</a:t>
             </a:fld>
             <a:endParaRPr lang="zh-CN" altLang="en-US"/>
           </a:p>
@@ -605,7 +606,7 @@
           <a:p>
             <a:fld id="{AD520B97-9086-4087-8872-4765B7BE18FD}" type="datetimeFigureOut">
               <a:rPr lang="zh-CN" altLang="en-US" smtClean="0"/>
-              <a:t>2021/12/20</a:t>
+              <a:t>2022/1/29</a:t>
             </a:fld>
             <a:endParaRPr lang="zh-CN" altLang="en-US"/>
           </a:p>
@@ -775,7 +776,7 @@
           <a:p>
             <a:fld id="{AD520B97-9086-4087-8872-4765B7BE18FD}" type="datetimeFigureOut">
               <a:rPr lang="zh-CN" altLang="en-US" smtClean="0"/>
-              <a:t>2021/12/20</a:t>
+              <a:t>2022/1/29</a:t>
             </a:fld>
             <a:endParaRPr lang="zh-CN" altLang="en-US"/>
           </a:p>
@@ -1019,7 +1020,7 @@
           <a:p>
             <a:fld id="{AD520B97-9086-4087-8872-4765B7BE18FD}" type="datetimeFigureOut">
               <a:rPr lang="zh-CN" altLang="en-US" smtClean="0"/>
-              <a:t>2021/12/20</a:t>
+              <a:t>2022/1/29</a:t>
             </a:fld>
             <a:endParaRPr lang="zh-CN" altLang="en-US"/>
           </a:p>
@@ -1251,7 +1252,7 @@
           <a:p>
             <a:fld id="{AD520B97-9086-4087-8872-4765B7BE18FD}" type="datetimeFigureOut">
               <a:rPr lang="zh-CN" altLang="en-US" smtClean="0"/>
-              <a:t>2021/12/20</a:t>
+              <a:t>2022/1/29</a:t>
             </a:fld>
             <a:endParaRPr lang="zh-CN" altLang="en-US"/>
           </a:p>
@@ -1618,7 +1619,7 @@
           <a:p>
             <a:fld id="{AD520B97-9086-4087-8872-4765B7BE18FD}" type="datetimeFigureOut">
               <a:rPr lang="zh-CN" altLang="en-US" smtClean="0"/>
-              <a:t>2021/12/20</a:t>
+              <a:t>2022/1/29</a:t>
             </a:fld>
             <a:endParaRPr lang="zh-CN" altLang="en-US"/>
           </a:p>
@@ -1736,7 +1737,7 @@
           <a:p>
             <a:fld id="{AD520B97-9086-4087-8872-4765B7BE18FD}" type="datetimeFigureOut">
               <a:rPr lang="zh-CN" altLang="en-US" smtClean="0"/>
-              <a:t>2021/12/20</a:t>
+              <a:t>2022/1/29</a:t>
             </a:fld>
             <a:endParaRPr lang="zh-CN" altLang="en-US"/>
           </a:p>
@@ -1831,7 +1832,7 @@
           <a:p>
             <a:fld id="{AD520B97-9086-4087-8872-4765B7BE18FD}" type="datetimeFigureOut">
               <a:rPr lang="zh-CN" altLang="en-US" smtClean="0"/>
-              <a:t>2021/12/20</a:t>
+              <a:t>2022/1/29</a:t>
             </a:fld>
             <a:endParaRPr lang="zh-CN" altLang="en-US"/>
           </a:p>
@@ -2108,7 +2109,7 @@
           <a:p>
             <a:fld id="{AD520B97-9086-4087-8872-4765B7BE18FD}" type="datetimeFigureOut">
               <a:rPr lang="zh-CN" altLang="en-US" smtClean="0"/>
-              <a:t>2021/12/20</a:t>
+              <a:t>2022/1/29</a:t>
             </a:fld>
             <a:endParaRPr lang="zh-CN" altLang="en-US"/>
           </a:p>
@@ -2365,7 +2366,7 @@
           <a:p>
             <a:fld id="{AD520B97-9086-4087-8872-4765B7BE18FD}" type="datetimeFigureOut">
               <a:rPr lang="zh-CN" altLang="en-US" smtClean="0"/>
-              <a:t>2021/12/20</a:t>
+              <a:t>2022/1/29</a:t>
             </a:fld>
             <a:endParaRPr lang="zh-CN" altLang="en-US"/>
           </a:p>
@@ -2578,7 +2579,7 @@
           <a:p>
             <a:fld id="{AD520B97-9086-4087-8872-4765B7BE18FD}" type="datetimeFigureOut">
               <a:rPr lang="zh-CN" altLang="en-US" smtClean="0"/>
-              <a:t>2021/12/20</a:t>
+              <a:t>2022/1/29</a:t>
             </a:fld>
             <a:endParaRPr lang="zh-CN" altLang="en-US"/>
           </a:p>
@@ -3335,6 +3336,358 @@
           <a:chExt cx="0" cy="0"/>
         </a:xfrm>
       </p:grpSpPr>
+      <p:grpSp>
+        <p:nvGrpSpPr>
+          <p:cNvPr id="12" name="组合 11">
+            <a:extLst>
+              <a:ext uri="{FF2B5EF4-FFF2-40B4-BE49-F238E27FC236}">
+                <a16:creationId xmlns:a16="http://schemas.microsoft.com/office/drawing/2014/main" id="{C9720F15-6B97-4297-B8EA-B43C8CA06B9B}"/>
+              </a:ext>
+            </a:extLst>
+          </p:cNvPr>
+          <p:cNvGrpSpPr/>
+          <p:nvPr/>
+        </p:nvGrpSpPr>
+        <p:grpSpPr>
+          <a:xfrm>
+            <a:off x="160021" y="200871"/>
+            <a:ext cx="11337637" cy="4407129"/>
+            <a:chOff x="160021" y="200871"/>
+            <a:chExt cx="11337637" cy="4407129"/>
+          </a:xfrm>
+        </p:grpSpPr>
+        <p:sp>
+          <p:nvSpPr>
+            <p:cNvPr id="34" name="Rectangle 2">
+              <a:extLst>
+                <a:ext uri="{FF2B5EF4-FFF2-40B4-BE49-F238E27FC236}">
+                  <a16:creationId xmlns:a16="http://schemas.microsoft.com/office/drawing/2014/main" id="{DFABFF97-5009-43B0-8091-13BFDB6E47F5}"/>
+                </a:ext>
+              </a:extLst>
+            </p:cNvPr>
+            <p:cNvSpPr>
+              <a:spLocks noChangeArrowheads="1"/>
+            </p:cNvSpPr>
+            <p:nvPr/>
+          </p:nvSpPr>
+          <p:spPr bwMode="auto">
+            <a:xfrm>
+              <a:off x="160021" y="1454776"/>
+              <a:ext cx="65" cy="290849"/>
+            </a:xfrm>
+            <a:prstGeom prst="rect">
+              <a:avLst/>
+            </a:prstGeom>
+            <a:solidFill>
+              <a:srgbClr val="FFFFFF"/>
+            </a:solidFill>
+            <a:ln>
+              <a:noFill/>
+            </a:ln>
+            <a:effectLst/>
+            <a:extLst>
+              <a:ext uri="{91240B29-F687-4F45-9708-019B960494DF}">
+                <a14:hiddenLine xmlns:a14="http://schemas.microsoft.com/office/drawing/2010/main" w="9525">
+                  <a:solidFill>
+                    <a:schemeClr val="tx1"/>
+                  </a:solidFill>
+                  <a:miter lim="800000"/>
+                  <a:headEnd/>
+                  <a:tailEnd/>
+                </a14:hiddenLine>
+              </a:ext>
+              <a:ext uri="{AF507438-7753-43E0-B8FC-AC1667EBCBE1}">
+                <a14:hiddenEffects xmlns:a14="http://schemas.microsoft.com/office/drawing/2010/main">
+                  <a:effectLst>
+                    <a:outerShdw dist="35921" dir="2700000" algn="ctr" rotWithShape="0">
+                      <a:schemeClr val="bg2"/>
+                    </a:outerShdw>
+                  </a:effectLst>
+                </a14:hiddenEffects>
+              </a:ext>
+            </a:extLst>
+          </p:spPr>
+          <p:txBody>
+            <a:bodyPr vert="horz" wrap="none" lIns="0" tIns="0" rIns="0" bIns="0" numCol="1" anchor="ctr" anchorCtr="0" compatLnSpc="1">
+              <a:prstTxWarp prst="textNoShape">
+                <a:avLst/>
+              </a:prstTxWarp>
+              <a:spAutoFit/>
+            </a:bodyPr>
+            <a:lstStyle/>
+            <a:p>
+              <a:pPr defTabSz="960120" eaLnBrk="0" fontAlgn="base" hangingPunct="0">
+                <a:spcBef>
+                  <a:spcPct val="0"/>
+                </a:spcBef>
+                <a:spcAft>
+                  <a:spcPct val="0"/>
+                </a:spcAft>
+              </a:pPr>
+              <a:endParaRPr lang="zh-CN" altLang="zh-CN" sz="1890" dirty="0">
+                <a:latin typeface="Arial" panose="020B0604020202020204" pitchFamily="34" charset="0"/>
+              </a:endParaRPr>
+            </a:p>
+          </p:txBody>
+        </p:sp>
+        <p:sp>
+          <p:nvSpPr>
+            <p:cNvPr id="6" name="文本框 5">
+              <a:extLst>
+                <a:ext uri="{FF2B5EF4-FFF2-40B4-BE49-F238E27FC236}">
+                  <a16:creationId xmlns:a16="http://schemas.microsoft.com/office/drawing/2014/main" id="{9B2C62D9-A8B2-4D1F-B627-32755400E1D6}"/>
+                </a:ext>
+              </a:extLst>
+            </p:cNvPr>
+            <p:cNvSpPr txBox="1"/>
+            <p:nvPr/>
+          </p:nvSpPr>
+          <p:spPr>
+            <a:xfrm>
+              <a:off x="305635" y="200871"/>
+              <a:ext cx="389850" cy="584775"/>
+            </a:xfrm>
+            <a:prstGeom prst="rect">
+              <a:avLst/>
+            </a:prstGeom>
+            <a:noFill/>
+          </p:spPr>
+          <p:txBody>
+            <a:bodyPr wrap="none" rtlCol="0">
+              <a:spAutoFit/>
+            </a:bodyPr>
+            <a:lstStyle/>
+            <a:p>
+              <a:r>
+                <a:rPr lang="en-US" altLang="zh-CN" sz="3200" b="1" dirty="0">
+                  <a:latin typeface="Times New Roman" panose="02020603050405020304" pitchFamily="18" charset="0"/>
+                  <a:cs typeface="Times New Roman" panose="02020603050405020304" pitchFamily="18" charset="0"/>
+                </a:rPr>
+                <a:t>a</a:t>
+              </a:r>
+              <a:endParaRPr lang="zh-CN" altLang="en-US" sz="3200" b="1" dirty="0">
+                <a:latin typeface="Times New Roman" panose="02020603050405020304" pitchFamily="18" charset="0"/>
+                <a:cs typeface="Times New Roman" panose="02020603050405020304" pitchFamily="18" charset="0"/>
+              </a:endParaRPr>
+            </a:p>
+          </p:txBody>
+        </p:sp>
+        <p:sp>
+          <p:nvSpPr>
+            <p:cNvPr id="9" name="文本框 8">
+              <a:extLst>
+                <a:ext uri="{FF2B5EF4-FFF2-40B4-BE49-F238E27FC236}">
+                  <a16:creationId xmlns:a16="http://schemas.microsoft.com/office/drawing/2014/main" id="{E82812FE-36E3-42EC-A759-7EC1143C836D}"/>
+                </a:ext>
+              </a:extLst>
+            </p:cNvPr>
+            <p:cNvSpPr txBox="1"/>
+            <p:nvPr/>
+          </p:nvSpPr>
+          <p:spPr>
+            <a:xfrm>
+              <a:off x="5630610" y="200871"/>
+              <a:ext cx="412292" cy="584775"/>
+            </a:xfrm>
+            <a:prstGeom prst="rect">
+              <a:avLst/>
+            </a:prstGeom>
+            <a:noFill/>
+          </p:spPr>
+          <p:txBody>
+            <a:bodyPr wrap="none" rtlCol="0">
+              <a:spAutoFit/>
+            </a:bodyPr>
+            <a:lstStyle/>
+            <a:p>
+              <a:r>
+                <a:rPr lang="en-US" altLang="zh-CN" sz="3200" b="1" dirty="0">
+                  <a:latin typeface="Times New Roman" panose="02020603050405020304" pitchFamily="18" charset="0"/>
+                  <a:cs typeface="Times New Roman" panose="02020603050405020304" pitchFamily="18" charset="0"/>
+                </a:rPr>
+                <a:t>b</a:t>
+              </a:r>
+              <a:endParaRPr lang="zh-CN" altLang="en-US" sz="3200" b="1" dirty="0">
+                <a:latin typeface="Times New Roman" panose="02020603050405020304" pitchFamily="18" charset="0"/>
+                <a:cs typeface="Times New Roman" panose="02020603050405020304" pitchFamily="18" charset="0"/>
+              </a:endParaRPr>
+            </a:p>
+          </p:txBody>
+        </p:sp>
+        <p:pic>
+          <p:nvPicPr>
+            <p:cNvPr id="5" name="图片 4" descr="图表, 雷达图&#10;&#10;描述已自动生成">
+              <a:extLst>
+                <a:ext uri="{FF2B5EF4-FFF2-40B4-BE49-F238E27FC236}">
+                  <a16:creationId xmlns:a16="http://schemas.microsoft.com/office/drawing/2014/main" id="{C934DD73-DB23-438C-A873-588DDF17B91D}"/>
+                </a:ext>
+              </a:extLst>
+            </p:cNvPr>
+            <p:cNvPicPr>
+              <a:picLocks noChangeAspect="1"/>
+            </p:cNvPicPr>
+            <p:nvPr/>
+          </p:nvPicPr>
+          <p:blipFill rotWithShape="1">
+            <a:blip r:embed="rId3">
+              <a:extLst>
+                <a:ext uri="{28A0092B-C50C-407E-A947-70E740481C1C}">
+                  <a14:useLocalDpi xmlns:a14="http://schemas.microsoft.com/office/drawing/2010/main" val="0"/>
+                </a:ext>
+              </a:extLst>
+            </a:blip>
+            <a:srcRect t="82765" r="2797"/>
+            <a:stretch/>
+          </p:blipFill>
+          <p:spPr>
+            <a:xfrm>
+              <a:off x="305635" y="3927379"/>
+              <a:ext cx="4900186" cy="680621"/>
+            </a:xfrm>
+            <a:prstGeom prst="rect">
+              <a:avLst/>
+            </a:prstGeom>
+          </p:spPr>
+        </p:pic>
+        <p:pic>
+          <p:nvPicPr>
+            <p:cNvPr id="11" name="图片 10" descr="图表, 雷达图&#10;&#10;描述已自动生成">
+              <a:extLst>
+                <a:ext uri="{FF2B5EF4-FFF2-40B4-BE49-F238E27FC236}">
+                  <a16:creationId xmlns:a16="http://schemas.microsoft.com/office/drawing/2014/main" id="{67D0F215-B6E6-4578-8F12-9C9B76696BC4}"/>
+                </a:ext>
+              </a:extLst>
+            </p:cNvPr>
+            <p:cNvPicPr>
+              <a:picLocks noChangeAspect="1"/>
+            </p:cNvPicPr>
+            <p:nvPr/>
+          </p:nvPicPr>
+          <p:blipFill rotWithShape="1">
+            <a:blip r:embed="rId3">
+              <a:extLst>
+                <a:ext uri="{28A0092B-C50C-407E-A947-70E740481C1C}">
+                  <a14:useLocalDpi xmlns:a14="http://schemas.microsoft.com/office/drawing/2010/main" val="0"/>
+                </a:ext>
+              </a:extLst>
+            </a:blip>
+            <a:srcRect l="10608" t="3055" r="11306" b="17088"/>
+            <a:stretch/>
+          </p:blipFill>
+          <p:spPr>
+            <a:xfrm>
+              <a:off x="558268" y="385537"/>
+              <a:ext cx="4520005" cy="3620958"/>
+            </a:xfrm>
+            <a:prstGeom prst="rect">
+              <a:avLst/>
+            </a:prstGeom>
+          </p:spPr>
+        </p:pic>
+        <p:pic>
+          <p:nvPicPr>
+            <p:cNvPr id="10" name="图片 9" descr="图表&#10;&#10;描述已自动生成">
+              <a:extLst>
+                <a:ext uri="{FF2B5EF4-FFF2-40B4-BE49-F238E27FC236}">
+                  <a16:creationId xmlns:a16="http://schemas.microsoft.com/office/drawing/2014/main" id="{907835F3-BFDE-449F-9937-162EAED28B88}"/>
+                </a:ext>
+              </a:extLst>
+            </p:cNvPr>
+            <p:cNvPicPr>
+              <a:picLocks noChangeAspect="1"/>
+            </p:cNvPicPr>
+            <p:nvPr/>
+          </p:nvPicPr>
+          <p:blipFill rotWithShape="1">
+            <a:blip r:embed="rId4">
+              <a:extLst>
+                <a:ext uri="{28A0092B-C50C-407E-A947-70E740481C1C}">
+                  <a14:useLocalDpi xmlns:a14="http://schemas.microsoft.com/office/drawing/2010/main" val="0"/>
+                </a:ext>
+              </a:extLst>
+            </a:blip>
+            <a:srcRect r="1143" b="10346"/>
+            <a:stretch/>
+          </p:blipFill>
+          <p:spPr>
+            <a:xfrm>
+              <a:off x="5947920" y="468605"/>
+              <a:ext cx="5549738" cy="3942530"/>
+            </a:xfrm>
+            <a:prstGeom prst="rect">
+              <a:avLst/>
+            </a:prstGeom>
+          </p:spPr>
+        </p:pic>
+        <p:pic>
+          <p:nvPicPr>
+            <p:cNvPr id="14" name="图片 13" descr="图表&#10;&#10;描述已自动生成">
+              <a:extLst>
+                <a:ext uri="{FF2B5EF4-FFF2-40B4-BE49-F238E27FC236}">
+                  <a16:creationId xmlns:a16="http://schemas.microsoft.com/office/drawing/2014/main" id="{85438A1B-1EE0-48F2-B080-40D0D9808AF6}"/>
+                </a:ext>
+              </a:extLst>
+            </p:cNvPr>
+            <p:cNvPicPr>
+              <a:picLocks noChangeAspect="1"/>
+            </p:cNvPicPr>
+            <p:nvPr/>
+          </p:nvPicPr>
+          <p:blipFill rotWithShape="1">
+            <a:blip r:embed="rId4">
+              <a:extLst>
+                <a:ext uri="{28A0092B-C50C-407E-A947-70E740481C1C}">
+                  <a14:useLocalDpi xmlns:a14="http://schemas.microsoft.com/office/drawing/2010/main" val="0"/>
+                </a:ext>
+              </a:extLst>
+            </a:blip>
+            <a:srcRect l="19077" t="87507" r="19390" b="1134"/>
+            <a:stretch/>
+          </p:blipFill>
+          <p:spPr>
+            <a:xfrm>
+              <a:off x="6661333" y="4034857"/>
+              <a:ext cx="3454400" cy="499533"/>
+            </a:xfrm>
+            <a:prstGeom prst="rect">
+              <a:avLst/>
+            </a:prstGeom>
+          </p:spPr>
+        </p:pic>
+      </p:grpSp>
+    </p:spTree>
+    <p:custDataLst>
+      <p:tags r:id="rId1"/>
+    </p:custDataLst>
+    <p:extLst>
+      <p:ext uri="{BB962C8B-B14F-4D97-AF65-F5344CB8AC3E}">
+        <p14:creationId xmlns:p14="http://schemas.microsoft.com/office/powerpoint/2010/main" val="4097455108"/>
+      </p:ext>
+    </p:extLst>
+  </p:cSld>
+  <p:clrMapOvr>
+    <a:masterClrMapping/>
+  </p:clrMapOvr>
+</p:sld>
+</file>
+
+<file path=ppt/slides/slide3.xml><?xml version="1.0" encoding="utf-8"?>
+<p:sld xmlns:a="http://schemas.openxmlformats.org/drawingml/2006/main" xmlns:r="http://schemas.openxmlformats.org/officeDocument/2006/relationships" xmlns:p="http://schemas.openxmlformats.org/presentationml/2006/main">
+  <p:cSld>
+    <p:spTree>
+      <p:nvGrpSpPr>
+        <p:cNvPr id="1" name=""/>
+        <p:cNvGrpSpPr/>
+        <p:nvPr/>
+      </p:nvGrpSpPr>
+      <p:grpSpPr>
+        <a:xfrm>
+          <a:off x="0" y="0"/>
+          <a:ext cx="0" cy="0"/>
+          <a:chOff x="0" y="0"/>
+          <a:chExt cx="0" cy="0"/>
+        </a:xfrm>
+      </p:grpSpPr>
       <p:pic>
         <p:nvPicPr>
           <p:cNvPr id="24" name="图片 23" descr="图表, 雷达图&#10;&#10;描述已自动生成">
@@ -3464,6 +3817,12 @@
 </file>
 
 <file path=ppt/tags/tag2.xml><?xml version="1.0" encoding="utf-8"?>
+<p:tagLst xmlns:a="http://schemas.openxmlformats.org/drawingml/2006/main" xmlns:r="http://schemas.openxmlformats.org/officeDocument/2006/relationships" xmlns:p="http://schemas.openxmlformats.org/presentationml/2006/main">
+  <p:tag name="ISLIDE.SMARTDIAGRAM" val="#635394;"/>
+</p:tagLst>
+</file>
+
+<file path=ppt/tags/tag3.xml><?xml version="1.0" encoding="utf-8"?>
 <p:tagLst xmlns:a="http://schemas.openxmlformats.org/drawingml/2006/main" xmlns:r="http://schemas.openxmlformats.org/officeDocument/2006/relationships" xmlns:p="http://schemas.openxmlformats.org/presentationml/2006/main">
   <p:tag name="ISLIDE.SMARTDIAGRAM" val="#635394;"/>
 </p:tagLst>
